--- a/01_FoundationProjects/RCC02_NRF24L01_Wireless_Setup_TxRx/RCC02_NRF24L01_Wireless_Setup_TxRx.pptx
+++ b/01_FoundationProjects/RCC02_NRF24L01_Wireless_Setup_TxRx/RCC02_NRF24L01_Wireless_Setup_TxRx.pptx
@@ -207,7 +207,7 @@
           <a:p>
             <a:fld id="{2A311A46-23A7-4CAD-863D-6397CDAD4FD2}" type="datetimeFigureOut">
               <a:rPr lang="en-GB" smtClean="0"/>
-              <a:t>11/01/2026</a:t>
+              <a:t>17/01/2026</a:t>
             </a:fld>
             <a:endParaRPr lang="en-GB"/>
           </a:p>
@@ -966,7 +966,7 @@
           <a:p>
             <a:fld id="{A1D51BA1-F58B-40DF-9C13-73BC69DE2A80}" type="datetimeFigureOut">
               <a:rPr lang="en-GB" smtClean="0"/>
-              <a:t>11/01/2026</a:t>
+              <a:t>17/01/2026</a:t>
             </a:fld>
             <a:endParaRPr lang="en-GB"/>
           </a:p>
@@ -1166,7 +1166,7 @@
           <a:p>
             <a:fld id="{A1D51BA1-F58B-40DF-9C13-73BC69DE2A80}" type="datetimeFigureOut">
               <a:rPr lang="en-GB" smtClean="0"/>
-              <a:t>11/01/2026</a:t>
+              <a:t>17/01/2026</a:t>
             </a:fld>
             <a:endParaRPr lang="en-GB"/>
           </a:p>
@@ -1376,7 +1376,7 @@
           <a:p>
             <a:fld id="{A1D51BA1-F58B-40DF-9C13-73BC69DE2A80}" type="datetimeFigureOut">
               <a:rPr lang="en-GB" smtClean="0"/>
-              <a:t>11/01/2026</a:t>
+              <a:t>17/01/2026</a:t>
             </a:fld>
             <a:endParaRPr lang="en-GB"/>
           </a:p>
@@ -3457,7 +3457,7 @@
           <a:p>
             <a:fld id="{A1D51BA1-F58B-40DF-9C13-73BC69DE2A80}" type="datetimeFigureOut">
               <a:rPr lang="en-GB" smtClean="0"/>
-              <a:t>11/01/2026</a:t>
+              <a:t>17/01/2026</a:t>
             </a:fld>
             <a:endParaRPr lang="en-GB"/>
           </a:p>
@@ -4403,7 +4403,7 @@
           <a:p>
             <a:fld id="{A1D51BA1-F58B-40DF-9C13-73BC69DE2A80}" type="datetimeFigureOut">
               <a:rPr lang="en-GB" smtClean="0"/>
-              <a:t>11/01/2026</a:t>
+              <a:t>17/01/2026</a:t>
             </a:fld>
             <a:endParaRPr lang="en-GB"/>
           </a:p>
@@ -4671,7 +4671,7 @@
           <a:p>
             <a:fld id="{A1D51BA1-F58B-40DF-9C13-73BC69DE2A80}" type="datetimeFigureOut">
               <a:rPr lang="en-GB" smtClean="0"/>
-              <a:t>11/01/2026</a:t>
+              <a:t>17/01/2026</a:t>
             </a:fld>
             <a:endParaRPr lang="en-GB"/>
           </a:p>
@@ -5086,7 +5086,7 @@
           <a:p>
             <a:fld id="{A1D51BA1-F58B-40DF-9C13-73BC69DE2A80}" type="datetimeFigureOut">
               <a:rPr lang="en-GB" smtClean="0"/>
-              <a:t>11/01/2026</a:t>
+              <a:t>17/01/2026</a:t>
             </a:fld>
             <a:endParaRPr lang="en-GB"/>
           </a:p>
@@ -5228,7 +5228,7 @@
           <a:p>
             <a:fld id="{A1D51BA1-F58B-40DF-9C13-73BC69DE2A80}" type="datetimeFigureOut">
               <a:rPr lang="en-GB" smtClean="0"/>
-              <a:t>11/01/2026</a:t>
+              <a:t>17/01/2026</a:t>
             </a:fld>
             <a:endParaRPr lang="en-GB"/>
           </a:p>
@@ -5341,7 +5341,7 @@
           <a:p>
             <a:fld id="{A1D51BA1-F58B-40DF-9C13-73BC69DE2A80}" type="datetimeFigureOut">
               <a:rPr lang="en-GB" smtClean="0"/>
-              <a:t>11/01/2026</a:t>
+              <a:t>17/01/2026</a:t>
             </a:fld>
             <a:endParaRPr lang="en-GB"/>
           </a:p>
@@ -5654,7 +5654,7 @@
           <a:p>
             <a:fld id="{A1D51BA1-F58B-40DF-9C13-73BC69DE2A80}" type="datetimeFigureOut">
               <a:rPr lang="en-GB" smtClean="0"/>
-              <a:t>11/01/2026</a:t>
+              <a:t>17/01/2026</a:t>
             </a:fld>
             <a:endParaRPr lang="en-GB"/>
           </a:p>
@@ -5943,7 +5943,7 @@
           <a:p>
             <a:fld id="{A1D51BA1-F58B-40DF-9C13-73BC69DE2A80}" type="datetimeFigureOut">
               <a:rPr lang="en-GB" smtClean="0"/>
-              <a:t>11/01/2026</a:t>
+              <a:t>17/01/2026</a:t>
             </a:fld>
             <a:endParaRPr lang="en-GB"/>
           </a:p>
@@ -6186,7 +6186,7 @@
           <a:p>
             <a:fld id="{A1D51BA1-F58B-40DF-9C13-73BC69DE2A80}" type="datetimeFigureOut">
               <a:rPr lang="en-GB" smtClean="0"/>
-              <a:t>11/01/2026</a:t>
+              <a:t>17/01/2026</a:t>
             </a:fld>
             <a:endParaRPr lang="en-GB"/>
           </a:p>
@@ -12247,15 +12247,27 @@
               <a:defRPr/>
             </a:pPr>
             <a:r>
-              <a:rPr lang="en-GB" b="1" dirty="0"/>
+              <a:rPr lang="en-GB" b="1" dirty="0">
+                <a:solidFill>
+                  <a:srgbClr val="00B0F0"/>
+                </a:solidFill>
+              </a:rPr>
               <a:t>Code for Lesson RCC02 (</a:t>
             </a:r>
             <a:r>
-              <a:rPr lang="en-US" b="1" dirty="0"/>
+              <a:rPr lang="en-US" b="1" dirty="0">
+                <a:solidFill>
+                  <a:srgbClr val="00B0F0"/>
+                </a:solidFill>
+              </a:rPr>
               <a:t>RCC02_a_Joystick_Movement_Functionality_Tx</a:t>
             </a:r>
             <a:r>
-              <a:rPr lang="en-GB" b="1" dirty="0"/>
+              <a:rPr lang="en-GB" b="1" dirty="0">
+                <a:solidFill>
+                  <a:srgbClr val="00B0F0"/>
+                </a:solidFill>
+              </a:rPr>
               <a:t>.ino):</a:t>
             </a:r>
           </a:p>
@@ -12276,7 +12288,7 @@
         <p:spPr>
           <a:xfrm>
             <a:off x="938631" y="5059273"/>
-            <a:ext cx="4885191" cy="307777"/>
+            <a:ext cx="4885191" cy="1169551"/>
           </a:xfrm>
           <a:prstGeom prst="rect">
             <a:avLst/>
@@ -12388,7 +12400,14 @@
             </a:lvl9pPr>
           </a:lstStyle>
           <a:p>
-            <a:endParaRPr lang="en-GB" dirty="0"/>
+            <a:r>
+              <a:rPr lang="en-GB" dirty="0">
+                <a:solidFill>
+                  <a:srgbClr val="00B0F0"/>
+                </a:solidFill>
+              </a:rPr>
+              <a:t>https://github.com/info-zas/zas-robotics-car-2-communications/blob/main/01_FoundationProjects/RCC02_NRF24L01_Wireless_Setup_TxRx/RCC02_a_Joystick_Movement_Functionality_Tx/RCC02_a_Joystick_Movement_Functionality_Tx.ino</a:t>
+            </a:r>
           </a:p>
         </p:txBody>
       </p:sp>
@@ -13806,7 +13825,7 @@
         </p:nvSpPr>
         <p:spPr bwMode="auto">
           <a:xfrm>
-            <a:off x="1008204" y="5277646"/>
+            <a:off x="997692" y="4999229"/>
             <a:ext cx="5501926" cy="646331"/>
           </a:xfrm>
           <a:prstGeom prst="rect">
@@ -13918,15 +13937,27 @@
               <a:defRPr/>
             </a:pPr>
             <a:r>
-              <a:rPr lang="en-GB" b="1" dirty="0"/>
+              <a:rPr lang="en-GB" b="1" dirty="0">
+                <a:solidFill>
+                  <a:srgbClr val="00B0F0"/>
+                </a:solidFill>
+              </a:rPr>
               <a:t>Code for Lesson RCC02 (</a:t>
             </a:r>
             <a:r>
-              <a:rPr lang="en-US" b="1" dirty="0"/>
+              <a:rPr lang="en-US" b="1" dirty="0">
+                <a:solidFill>
+                  <a:srgbClr val="00B0F0"/>
+                </a:solidFill>
+              </a:rPr>
               <a:t>RCC02_b_NRF24L01_Basic_Transmitter_Tx</a:t>
             </a:r>
             <a:r>
-              <a:rPr lang="en-GB" b="1" dirty="0"/>
+              <a:rPr lang="en-GB" b="1" dirty="0">
+                <a:solidFill>
+                  <a:srgbClr val="00B0F0"/>
+                </a:solidFill>
+              </a:rPr>
               <a:t>.ino):</a:t>
             </a:r>
           </a:p>
@@ -13946,8 +13977,8 @@
         </p:nvSpPr>
         <p:spPr>
           <a:xfrm>
-            <a:off x="1008204" y="5923977"/>
-            <a:ext cx="4885191" cy="307777"/>
+            <a:off x="1138804" y="5630853"/>
+            <a:ext cx="4885191" cy="1169551"/>
           </a:xfrm>
           <a:prstGeom prst="rect">
             <a:avLst/>
@@ -14059,7 +14090,14 @@
             </a:lvl9pPr>
           </a:lstStyle>
           <a:p>
-            <a:endParaRPr lang="en-GB" dirty="0"/>
+            <a:r>
+              <a:rPr lang="en-GB" dirty="0">
+                <a:solidFill>
+                  <a:srgbClr val="00B0F0"/>
+                </a:solidFill>
+              </a:rPr>
+              <a:t>https://github.com/info-zas/zas-robotics-car-2-communications/blob/main/01_FoundationProjects/RCC02_NRF24L01_Wireless_Setup_TxRx/RCC02_b_NRF24L01_Basic_Transmitter_Tx/RCC02_b_NRF24L01_Basic_Transmitter_Tx.ino</a:t>
+            </a:r>
           </a:p>
         </p:txBody>
       </p:sp>
@@ -14189,15 +14227,27 @@
               <a:defRPr/>
             </a:pPr>
             <a:r>
-              <a:rPr lang="en-GB" b="1" dirty="0"/>
+              <a:rPr lang="en-GB" b="1" dirty="0">
+                <a:solidFill>
+                  <a:srgbClr val="00B0F0"/>
+                </a:solidFill>
+              </a:rPr>
               <a:t>Code for Lesson RCC02 (</a:t>
             </a:r>
             <a:r>
-              <a:rPr lang="en-US" b="1" dirty="0"/>
+              <a:rPr lang="en-US" b="1" dirty="0">
+                <a:solidFill>
+                  <a:srgbClr val="00B0F0"/>
+                </a:solidFill>
+              </a:rPr>
               <a:t>RCC02_b_NRF24L01_Basic_Receiver_Rx</a:t>
             </a:r>
             <a:r>
-              <a:rPr lang="en-GB" b="1" dirty="0"/>
+              <a:rPr lang="en-GB" b="1" dirty="0">
+                <a:solidFill>
+                  <a:srgbClr val="00B0F0"/>
+                </a:solidFill>
+              </a:rPr>
               <a:t>.ino):</a:t>
             </a:r>
           </a:p>
@@ -14218,7 +14268,7 @@
         <p:spPr>
           <a:xfrm>
             <a:off x="6510130" y="5923977"/>
-            <a:ext cx="4885191" cy="307777"/>
+            <a:ext cx="4885191" cy="954107"/>
           </a:xfrm>
           <a:prstGeom prst="rect">
             <a:avLst/>
@@ -14330,7 +14380,14 @@
             </a:lvl9pPr>
           </a:lstStyle>
           <a:p>
-            <a:endParaRPr lang="en-GB" dirty="0"/>
+            <a:r>
+              <a:rPr lang="en-GB" dirty="0">
+                <a:solidFill>
+                  <a:srgbClr val="00B0F0"/>
+                </a:solidFill>
+              </a:rPr>
+              <a:t>https://github.com/info-zas/zas-robotics-car-2-communications/blob/main/01_FoundationProjects/RCC02_NRF24L01_Wireless_Setup_TxRx/RCC02_b_NRF24L01_Basic_Receiver_Rx/RCC02_b_NRF24L01_Basic_Receiver_Rx.ino</a:t>
+            </a:r>
           </a:p>
         </p:txBody>
       </p:sp>
